--- a/Presentations/Khanlab_Robarts_ppt_template_4x3.pptx
+++ b/Presentations/Khanlab_Robarts_ppt_template_4x3.pptx
@@ -629,7 +629,7 @@
               <a:rPr lang="en-US" baseline="0" smtClean="0"/>
               <a:t>2</a:t>
             </a:fld>
-            <a:endParaRPr lang="en-US" baseline="0" dirty="0" smtClean="0"/>
+            <a:endParaRPr lang="en-US" baseline="0" dirty="0"/>
           </a:p>
         </p:txBody>
       </p:sp>
@@ -742,7 +742,7 @@
               <a:rPr lang="en-US" baseline="0" smtClean="0"/>
               <a:t>3</a:t>
             </a:fld>
-            <a:endParaRPr lang="en-US" baseline="0" dirty="0" smtClean="0"/>
+            <a:endParaRPr lang="en-US" baseline="0" dirty="0"/>
           </a:p>
         </p:txBody>
       </p:sp>
@@ -868,7 +868,7 @@
           </a:lstStyle>
           <a:p>
             <a:r>
-              <a:rPr lang="en-US" smtClean="0"/>
+              <a:rPr lang="en-US"/>
               <a:t>Click to edit Master title style</a:t>
             </a:r>
             <a:endParaRPr lang="en-CA" dirty="0"/>
@@ -939,7 +939,7 @@
           </a:lstStyle>
           <a:p>
             <a:r>
-              <a:rPr lang="en-US" smtClean="0"/>
+              <a:rPr lang="en-US"/>
               <a:t>Click to edit Master subtitle style</a:t>
             </a:r>
             <a:endParaRPr lang="en-CA"/>
@@ -1104,13 +1104,6 @@
   <p:clrMapOvr>
     <a:masterClrMapping/>
   </p:clrMapOvr>
-  <p:timing>
-    <p:tnLst>
-      <p:par>
-        <p:cTn id="1" dur="indefinite" restart="never" nodeType="tmRoot"/>
-      </p:par>
-    </p:tnLst>
-  </p:timing>
 </p:sldLayout>
 </file>
 
@@ -1147,7 +1140,7 @@
           <a:lstStyle/>
           <a:p>
             <a:r>
-              <a:rPr lang="en-US" smtClean="0"/>
+              <a:rPr lang="en-US"/>
               <a:t>Click to edit Master title style</a:t>
             </a:r>
             <a:endParaRPr lang="en-CA"/>
@@ -1171,35 +1164,35 @@
           <a:p>
             <a:pPr lvl="0"/>
             <a:r>
-              <a:rPr lang="en-US" smtClean="0"/>
+              <a:rPr lang="en-US"/>
               <a:t>Click to edit Master text styles</a:t>
             </a:r>
           </a:p>
           <a:p>
             <a:pPr lvl="1"/>
             <a:r>
-              <a:rPr lang="en-US" smtClean="0"/>
+              <a:rPr lang="en-US"/>
               <a:t>Second level</a:t>
             </a:r>
           </a:p>
           <a:p>
             <a:pPr lvl="2"/>
             <a:r>
-              <a:rPr lang="en-US" smtClean="0"/>
+              <a:rPr lang="en-US"/>
               <a:t>Third level</a:t>
             </a:r>
           </a:p>
           <a:p>
             <a:pPr lvl="3"/>
             <a:r>
-              <a:rPr lang="en-US" smtClean="0"/>
+              <a:rPr lang="en-US"/>
               <a:t>Fourth level</a:t>
             </a:r>
           </a:p>
           <a:p>
             <a:pPr lvl="4"/>
             <a:r>
-              <a:rPr lang="en-US" smtClean="0"/>
+              <a:rPr lang="en-US"/>
               <a:t>Fifth level</a:t>
             </a:r>
             <a:endParaRPr lang="en-CA"/>
@@ -1310,13 +1303,6 @@
   <p:clrMapOvr>
     <a:masterClrMapping/>
   </p:clrMapOvr>
-  <p:timing>
-    <p:tnLst>
-      <p:par>
-        <p:cTn id="1" dur="indefinite" restart="never" nodeType="tmRoot"/>
-      </p:par>
-    </p:tnLst>
-  </p:timing>
 </p:sldLayout>
 </file>
 
@@ -1358,7 +1344,7 @@
           <a:lstStyle/>
           <a:p>
             <a:r>
-              <a:rPr lang="en-US" smtClean="0"/>
+              <a:rPr lang="en-US"/>
               <a:t>Click to edit Master title style</a:t>
             </a:r>
             <a:endParaRPr lang="en-CA"/>
@@ -1387,35 +1373,35 @@
           <a:p>
             <a:pPr lvl="0"/>
             <a:r>
-              <a:rPr lang="en-US" smtClean="0"/>
+              <a:rPr lang="en-US"/>
               <a:t>Click to edit Master text styles</a:t>
             </a:r>
           </a:p>
           <a:p>
             <a:pPr lvl="1"/>
             <a:r>
-              <a:rPr lang="en-US" smtClean="0"/>
+              <a:rPr lang="en-US"/>
               <a:t>Second level</a:t>
             </a:r>
           </a:p>
           <a:p>
             <a:pPr lvl="2"/>
             <a:r>
-              <a:rPr lang="en-US" smtClean="0"/>
+              <a:rPr lang="en-US"/>
               <a:t>Third level</a:t>
             </a:r>
           </a:p>
           <a:p>
             <a:pPr lvl="3"/>
             <a:r>
-              <a:rPr lang="en-US" smtClean="0"/>
+              <a:rPr lang="en-US"/>
               <a:t>Fourth level</a:t>
             </a:r>
           </a:p>
           <a:p>
             <a:pPr lvl="4"/>
             <a:r>
-              <a:rPr lang="en-US" smtClean="0"/>
+              <a:rPr lang="en-US"/>
               <a:t>Fifth level</a:t>
             </a:r>
             <a:endParaRPr lang="en-CA"/>
@@ -1526,13 +1512,6 @@
   <p:clrMapOvr>
     <a:masterClrMapping/>
   </p:clrMapOvr>
-  <p:timing>
-    <p:tnLst>
-      <p:par>
-        <p:cTn id="1" dur="indefinite" restart="never" nodeType="tmRoot"/>
-      </p:par>
-    </p:tnLst>
-  </p:timing>
 </p:sldLayout>
 </file>
 
@@ -1574,7 +1553,7 @@
           <a:lstStyle/>
           <a:p>
             <a:r>
-              <a:rPr lang="en-US" smtClean="0"/>
+              <a:rPr lang="en-US"/>
               <a:t>Click to edit Master title style</a:t>
             </a:r>
             <a:endParaRPr lang="en-CA"/>
@@ -1603,35 +1582,35 @@
           <a:p>
             <a:pPr lvl="0"/>
             <a:r>
-              <a:rPr lang="en-US" smtClean="0"/>
+              <a:rPr lang="en-US"/>
               <a:t>Click to edit Master text styles</a:t>
             </a:r>
           </a:p>
           <a:p>
             <a:pPr lvl="1"/>
             <a:r>
-              <a:rPr lang="en-US" smtClean="0"/>
+              <a:rPr lang="en-US"/>
               <a:t>Second level</a:t>
             </a:r>
           </a:p>
           <a:p>
             <a:pPr lvl="2"/>
             <a:r>
-              <a:rPr lang="en-US" smtClean="0"/>
+              <a:rPr lang="en-US"/>
               <a:t>Third level</a:t>
             </a:r>
           </a:p>
           <a:p>
             <a:pPr lvl="3"/>
             <a:r>
-              <a:rPr lang="en-US" smtClean="0"/>
+              <a:rPr lang="en-US"/>
               <a:t>Fourth level</a:t>
             </a:r>
           </a:p>
           <a:p>
             <a:pPr lvl="4"/>
             <a:r>
-              <a:rPr lang="en-US" smtClean="0"/>
+              <a:rPr lang="en-US"/>
               <a:t>Fifth level</a:t>
             </a:r>
             <a:endParaRPr lang="en-CA"/>
@@ -1660,35 +1639,35 @@
           <a:p>
             <a:pPr lvl="0"/>
             <a:r>
-              <a:rPr lang="en-US" smtClean="0"/>
+              <a:rPr lang="en-US"/>
               <a:t>Click to edit Master text styles</a:t>
             </a:r>
           </a:p>
           <a:p>
             <a:pPr lvl="1"/>
             <a:r>
-              <a:rPr lang="en-US" smtClean="0"/>
+              <a:rPr lang="en-US"/>
               <a:t>Second level</a:t>
             </a:r>
           </a:p>
           <a:p>
             <a:pPr lvl="2"/>
             <a:r>
-              <a:rPr lang="en-US" smtClean="0"/>
+              <a:rPr lang="en-US"/>
               <a:t>Third level</a:t>
             </a:r>
           </a:p>
           <a:p>
             <a:pPr lvl="3"/>
             <a:r>
-              <a:rPr lang="en-US" smtClean="0"/>
+              <a:rPr lang="en-US"/>
               <a:t>Fourth level</a:t>
             </a:r>
           </a:p>
           <a:p>
             <a:pPr lvl="4"/>
             <a:r>
-              <a:rPr lang="en-US" smtClean="0"/>
+              <a:rPr lang="en-US"/>
               <a:t>Fifth level</a:t>
             </a:r>
             <a:endParaRPr lang="en-CA"/>
@@ -1804,13 +1783,6 @@
   <p:clrMapOvr>
     <a:masterClrMapping/>
   </p:clrMapOvr>
-  <p:timing>
-    <p:tnLst>
-      <p:par>
-        <p:cTn id="1" dur="indefinite" restart="never" nodeType="tmRoot"/>
-      </p:par>
-    </p:tnLst>
-  </p:timing>
 </p:sldLayout>
 </file>
 
@@ -1853,35 +1825,35 @@
           <a:p>
             <a:pPr lvl="0"/>
             <a:r>
-              <a:rPr lang="en-US" smtClean="0"/>
+              <a:rPr lang="en-US"/>
               <a:t>Click to edit Master text styles</a:t>
             </a:r>
           </a:p>
           <a:p>
             <a:pPr lvl="1"/>
             <a:r>
-              <a:rPr lang="en-US" smtClean="0"/>
+              <a:rPr lang="en-US"/>
               <a:t>Second level</a:t>
             </a:r>
           </a:p>
           <a:p>
             <a:pPr lvl="2"/>
             <a:r>
-              <a:rPr lang="en-US" smtClean="0"/>
+              <a:rPr lang="en-US"/>
               <a:t>Third level</a:t>
             </a:r>
           </a:p>
           <a:p>
             <a:pPr lvl="3"/>
             <a:r>
-              <a:rPr lang="en-US" smtClean="0"/>
+              <a:rPr lang="en-US"/>
               <a:t>Fourth level</a:t>
             </a:r>
           </a:p>
           <a:p>
             <a:pPr lvl="4"/>
             <a:r>
-              <a:rPr lang="en-US" smtClean="0"/>
+              <a:rPr lang="en-US"/>
               <a:t>Fifth level</a:t>
             </a:r>
             <a:endParaRPr lang="en-CA"/>
@@ -1997,13 +1969,6 @@
   <p:clrMapOvr>
     <a:masterClrMapping/>
   </p:clrMapOvr>
-  <p:timing>
-    <p:tnLst>
-      <p:par>
-        <p:cTn id="1" dur="indefinite" restart="never" nodeType="tmRoot"/>
-      </p:par>
-    </p:tnLst>
-  </p:timing>
 </p:sldLayout>
 </file>
 
@@ -2040,7 +2005,7 @@
           <a:lstStyle/>
           <a:p>
             <a:r>
-              <a:rPr lang="en-US" smtClean="0"/>
+              <a:rPr lang="en-US"/>
               <a:t>Click to edit Master title style</a:t>
             </a:r>
             <a:endParaRPr lang="en-CA"/>
@@ -2147,13 +2112,6 @@
   <p:clrMapOvr>
     <a:masterClrMapping/>
   </p:clrMapOvr>
-  <p:timing>
-    <p:tnLst>
-      <p:par>
-        <p:cTn id="1" dur="indefinite" restart="never" nodeType="tmRoot"/>
-      </p:par>
-    </p:tnLst>
-  </p:timing>
 </p:sldLayout>
 </file>
 
@@ -2190,7 +2148,7 @@
           <a:lstStyle/>
           <a:p>
             <a:r>
-              <a:rPr lang="en-US" smtClean="0"/>
+              <a:rPr lang="en-US"/>
               <a:t>Click to edit Master title style</a:t>
             </a:r>
             <a:endParaRPr lang="en-CA"/>
@@ -2297,13 +2255,6 @@
   <p:clrMapOvr>
     <a:masterClrMapping/>
   </p:clrMapOvr>
-  <p:timing>
-    <p:tnLst>
-      <p:par>
-        <p:cTn id="1" dur="indefinite" restart="never" nodeType="tmRoot"/>
-      </p:par>
-    </p:tnLst>
-  </p:timing>
 </p:sldLayout>
 </file>
 
@@ -2345,7 +2296,7 @@
           <a:lstStyle/>
           <a:p>
             <a:r>
-              <a:rPr lang="en-US" smtClean="0"/>
+              <a:rPr lang="en-US"/>
               <a:t>Click to edit Master title style</a:t>
             </a:r>
             <a:endParaRPr lang="en-CA"/>
@@ -2374,35 +2325,35 @@
           <a:p>
             <a:pPr lvl="0"/>
             <a:r>
-              <a:rPr lang="en-US" smtClean="0"/>
+              <a:rPr lang="en-US"/>
               <a:t>Click to edit Master text styles</a:t>
             </a:r>
           </a:p>
           <a:p>
             <a:pPr lvl="1"/>
             <a:r>
-              <a:rPr lang="en-US" smtClean="0"/>
+              <a:rPr lang="en-US"/>
               <a:t>Second level</a:t>
             </a:r>
           </a:p>
           <a:p>
             <a:pPr lvl="2"/>
             <a:r>
-              <a:rPr lang="en-US" smtClean="0"/>
+              <a:rPr lang="en-US"/>
               <a:t>Third level</a:t>
             </a:r>
           </a:p>
           <a:p>
             <a:pPr lvl="3"/>
             <a:r>
-              <a:rPr lang="en-US" smtClean="0"/>
+              <a:rPr lang="en-US"/>
               <a:t>Fourth level</a:t>
             </a:r>
           </a:p>
           <a:p>
             <a:pPr lvl="4"/>
             <a:r>
-              <a:rPr lang="en-US" smtClean="0"/>
+              <a:rPr lang="en-US"/>
               <a:t>Fifth level</a:t>
             </a:r>
             <a:endParaRPr lang="en-CA"/>
@@ -2431,35 +2382,35 @@
           <a:p>
             <a:pPr lvl="0"/>
             <a:r>
-              <a:rPr lang="en-US" smtClean="0"/>
+              <a:rPr lang="en-US"/>
               <a:t>Click to edit Master text styles</a:t>
             </a:r>
           </a:p>
           <a:p>
             <a:pPr lvl="1"/>
             <a:r>
-              <a:rPr lang="en-US" smtClean="0"/>
+              <a:rPr lang="en-US"/>
               <a:t>Second level</a:t>
             </a:r>
           </a:p>
           <a:p>
             <a:pPr lvl="2"/>
             <a:r>
-              <a:rPr lang="en-US" smtClean="0"/>
+              <a:rPr lang="en-US"/>
               <a:t>Third level</a:t>
             </a:r>
           </a:p>
           <a:p>
             <a:pPr lvl="3"/>
             <a:r>
-              <a:rPr lang="en-US" smtClean="0"/>
+              <a:rPr lang="en-US"/>
               <a:t>Fourth level</a:t>
             </a:r>
           </a:p>
           <a:p>
             <a:pPr lvl="4"/>
             <a:r>
-              <a:rPr lang="en-US" smtClean="0"/>
+              <a:rPr lang="en-US"/>
               <a:t>Fifth level</a:t>
             </a:r>
             <a:endParaRPr lang="en-CA"/>
@@ -2488,35 +2439,35 @@
           <a:p>
             <a:pPr lvl="0"/>
             <a:r>
-              <a:rPr lang="en-US" smtClean="0"/>
+              <a:rPr lang="en-US"/>
               <a:t>Click to edit Master text styles</a:t>
             </a:r>
           </a:p>
           <a:p>
             <a:pPr lvl="1"/>
             <a:r>
-              <a:rPr lang="en-US" smtClean="0"/>
+              <a:rPr lang="en-US"/>
               <a:t>Second level</a:t>
             </a:r>
           </a:p>
           <a:p>
             <a:pPr lvl="2"/>
             <a:r>
-              <a:rPr lang="en-US" smtClean="0"/>
+              <a:rPr lang="en-US"/>
               <a:t>Third level</a:t>
             </a:r>
           </a:p>
           <a:p>
             <a:pPr lvl="3"/>
             <a:r>
-              <a:rPr lang="en-US" smtClean="0"/>
+              <a:rPr lang="en-US"/>
               <a:t>Fourth level</a:t>
             </a:r>
           </a:p>
           <a:p>
             <a:pPr lvl="4"/>
             <a:r>
-              <a:rPr lang="en-US" smtClean="0"/>
+              <a:rPr lang="en-US"/>
               <a:t>Fifth level</a:t>
             </a:r>
             <a:endParaRPr lang="en-CA"/>
@@ -2632,13 +2583,6 @@
   <p:clrMapOvr>
     <a:masterClrMapping/>
   </p:clrMapOvr>
-  <p:timing>
-    <p:tnLst>
-      <p:par>
-        <p:cTn id="1" dur="indefinite" restart="never" nodeType="tmRoot"/>
-      </p:par>
-    </p:tnLst>
-  </p:timing>
 </p:sldLayout>
 </file>
 
@@ -2680,7 +2624,7 @@
           <a:lstStyle/>
           <a:p>
             <a:r>
-              <a:rPr lang="en-US" smtClean="0"/>
+              <a:rPr lang="en-US"/>
               <a:t>Click to edit Master title style</a:t>
             </a:r>
             <a:endParaRPr lang="en-CA"/>
@@ -2709,35 +2653,35 @@
           <a:p>
             <a:pPr lvl="0"/>
             <a:r>
-              <a:rPr lang="en-US" smtClean="0"/>
+              <a:rPr lang="en-US"/>
               <a:t>Click to edit Master text styles</a:t>
             </a:r>
           </a:p>
           <a:p>
             <a:pPr lvl="1"/>
             <a:r>
-              <a:rPr lang="en-US" smtClean="0"/>
+              <a:rPr lang="en-US"/>
               <a:t>Second level</a:t>
             </a:r>
           </a:p>
           <a:p>
             <a:pPr lvl="2"/>
             <a:r>
-              <a:rPr lang="en-US" smtClean="0"/>
+              <a:rPr lang="en-US"/>
               <a:t>Third level</a:t>
             </a:r>
           </a:p>
           <a:p>
             <a:pPr lvl="3"/>
             <a:r>
-              <a:rPr lang="en-US" smtClean="0"/>
+              <a:rPr lang="en-US"/>
               <a:t>Fourth level</a:t>
             </a:r>
           </a:p>
           <a:p>
             <a:pPr lvl="4"/>
             <a:r>
-              <a:rPr lang="en-US" smtClean="0"/>
+              <a:rPr lang="en-US"/>
               <a:t>Fifth level</a:t>
             </a:r>
             <a:endParaRPr lang="en-CA"/>
@@ -2765,7 +2709,7 @@
           <a:lstStyle/>
           <a:p>
             <a:r>
-              <a:rPr lang="en-US" smtClean="0"/>
+              <a:rPr lang="en-US"/>
               <a:t>Click icon to add media</a:t>
             </a:r>
             <a:endParaRPr lang="en-CA"/>
@@ -2881,13 +2825,6 @@
   <p:clrMapOvr>
     <a:masterClrMapping/>
   </p:clrMapOvr>
-  <p:timing>
-    <p:tnLst>
-      <p:par>
-        <p:cTn id="1" dur="indefinite" restart="never" nodeType="tmRoot"/>
-      </p:par>
-    </p:tnLst>
-  </p:timing>
 </p:sldLayout>
 </file>
 
@@ -2929,7 +2866,7 @@
           <a:lstStyle/>
           <a:p>
             <a:r>
-              <a:rPr lang="en-US" smtClean="0"/>
+              <a:rPr lang="en-US"/>
               <a:t>Click to edit Master title style</a:t>
             </a:r>
             <a:endParaRPr lang="en-CA"/>
@@ -2958,35 +2895,35 @@
           <a:p>
             <a:pPr lvl="0"/>
             <a:r>
-              <a:rPr lang="en-US" smtClean="0"/>
+              <a:rPr lang="en-US"/>
               <a:t>Click to edit Master text styles</a:t>
             </a:r>
           </a:p>
           <a:p>
             <a:pPr lvl="1"/>
             <a:r>
-              <a:rPr lang="en-US" smtClean="0"/>
+              <a:rPr lang="en-US"/>
               <a:t>Second level</a:t>
             </a:r>
           </a:p>
           <a:p>
             <a:pPr lvl="2"/>
             <a:r>
-              <a:rPr lang="en-US" smtClean="0"/>
+              <a:rPr lang="en-US"/>
               <a:t>Third level</a:t>
             </a:r>
           </a:p>
           <a:p>
             <a:pPr lvl="3"/>
             <a:r>
-              <a:rPr lang="en-US" smtClean="0"/>
+              <a:rPr lang="en-US"/>
               <a:t>Fourth level</a:t>
             </a:r>
           </a:p>
           <a:p>
             <a:pPr lvl="4"/>
             <a:r>
-              <a:rPr lang="en-US" smtClean="0"/>
+              <a:rPr lang="en-US"/>
               <a:t>Fifth level</a:t>
             </a:r>
             <a:endParaRPr lang="en-CA"/>
@@ -3015,35 +2952,35 @@
           <a:p>
             <a:pPr lvl="0"/>
             <a:r>
-              <a:rPr lang="en-US" smtClean="0"/>
+              <a:rPr lang="en-US"/>
               <a:t>Click to edit Master text styles</a:t>
             </a:r>
           </a:p>
           <a:p>
             <a:pPr lvl="1"/>
             <a:r>
-              <a:rPr lang="en-US" smtClean="0"/>
+              <a:rPr lang="en-US"/>
               <a:t>Second level</a:t>
             </a:r>
           </a:p>
           <a:p>
             <a:pPr lvl="2"/>
             <a:r>
-              <a:rPr lang="en-US" smtClean="0"/>
+              <a:rPr lang="en-US"/>
               <a:t>Third level</a:t>
             </a:r>
           </a:p>
           <a:p>
             <a:pPr lvl="3"/>
             <a:r>
-              <a:rPr lang="en-US" smtClean="0"/>
+              <a:rPr lang="en-US"/>
               <a:t>Fourth level</a:t>
             </a:r>
           </a:p>
           <a:p>
             <a:pPr lvl="4"/>
             <a:r>
-              <a:rPr lang="en-US" smtClean="0"/>
+              <a:rPr lang="en-US"/>
               <a:t>Fifth level</a:t>
             </a:r>
             <a:endParaRPr lang="en-CA"/>
@@ -3072,35 +3009,35 @@
           <a:p>
             <a:pPr lvl="0"/>
             <a:r>
-              <a:rPr lang="en-US" smtClean="0"/>
+              <a:rPr lang="en-US"/>
               <a:t>Click to edit Master text styles</a:t>
             </a:r>
           </a:p>
           <a:p>
             <a:pPr lvl="1"/>
             <a:r>
-              <a:rPr lang="en-US" smtClean="0"/>
+              <a:rPr lang="en-US"/>
               <a:t>Second level</a:t>
             </a:r>
           </a:p>
           <a:p>
             <a:pPr lvl="2"/>
             <a:r>
-              <a:rPr lang="en-US" smtClean="0"/>
+              <a:rPr lang="en-US"/>
               <a:t>Third level</a:t>
             </a:r>
           </a:p>
           <a:p>
             <a:pPr lvl="3"/>
             <a:r>
-              <a:rPr lang="en-US" smtClean="0"/>
+              <a:rPr lang="en-US"/>
               <a:t>Fourth level</a:t>
             </a:r>
           </a:p>
           <a:p>
             <a:pPr lvl="4"/>
             <a:r>
-              <a:rPr lang="en-US" smtClean="0"/>
+              <a:rPr lang="en-US"/>
               <a:t>Fifth level</a:t>
             </a:r>
             <a:endParaRPr lang="en-CA"/>
@@ -3129,35 +3066,35 @@
           <a:p>
             <a:pPr lvl="0"/>
             <a:r>
-              <a:rPr lang="en-US" smtClean="0"/>
+              <a:rPr lang="en-US"/>
               <a:t>Click to edit Master text styles</a:t>
             </a:r>
           </a:p>
           <a:p>
             <a:pPr lvl="1"/>
             <a:r>
-              <a:rPr lang="en-US" smtClean="0"/>
+              <a:rPr lang="en-US"/>
               <a:t>Second level</a:t>
             </a:r>
           </a:p>
           <a:p>
             <a:pPr lvl="2"/>
             <a:r>
-              <a:rPr lang="en-US" smtClean="0"/>
+              <a:rPr lang="en-US"/>
               <a:t>Third level</a:t>
             </a:r>
           </a:p>
           <a:p>
             <a:pPr lvl="3"/>
             <a:r>
-              <a:rPr lang="en-US" smtClean="0"/>
+              <a:rPr lang="en-US"/>
               <a:t>Fourth level</a:t>
             </a:r>
           </a:p>
           <a:p>
             <a:pPr lvl="4"/>
             <a:r>
-              <a:rPr lang="en-US" smtClean="0"/>
+              <a:rPr lang="en-US"/>
               <a:t>Fifth level</a:t>
             </a:r>
             <a:endParaRPr lang="en-CA"/>
@@ -3273,13 +3210,6 @@
   <p:clrMapOvr>
     <a:masterClrMapping/>
   </p:clrMapOvr>
-  <p:timing>
-    <p:tnLst>
-      <p:par>
-        <p:cTn id="1" dur="indefinite" restart="never" nodeType="tmRoot"/>
-      </p:par>
-    </p:tnLst>
-  </p:timing>
 </p:sldLayout>
 </file>
 
@@ -3321,7 +3251,7 @@
           <a:lstStyle/>
           <a:p>
             <a:r>
-              <a:rPr lang="en-US" smtClean="0"/>
+              <a:rPr lang="en-US"/>
               <a:t>Click to edit Master title style</a:t>
             </a:r>
             <a:endParaRPr lang="en-CA"/>
@@ -3350,35 +3280,35 @@
           <a:p>
             <a:pPr lvl="0"/>
             <a:r>
-              <a:rPr lang="en-US" smtClean="0"/>
+              <a:rPr lang="en-US"/>
               <a:t>Click to edit Master text styles</a:t>
             </a:r>
           </a:p>
           <a:p>
             <a:pPr lvl="1"/>
             <a:r>
-              <a:rPr lang="en-US" smtClean="0"/>
+              <a:rPr lang="en-US"/>
               <a:t>Second level</a:t>
             </a:r>
           </a:p>
           <a:p>
             <a:pPr lvl="2"/>
             <a:r>
-              <a:rPr lang="en-US" smtClean="0"/>
+              <a:rPr lang="en-US"/>
               <a:t>Third level</a:t>
             </a:r>
           </a:p>
           <a:p>
             <a:pPr lvl="3"/>
             <a:r>
-              <a:rPr lang="en-US" smtClean="0"/>
+              <a:rPr lang="en-US"/>
               <a:t>Fourth level</a:t>
             </a:r>
           </a:p>
           <a:p>
             <a:pPr lvl="4"/>
             <a:r>
-              <a:rPr lang="en-US" smtClean="0"/>
+              <a:rPr lang="en-US"/>
               <a:t>Fifth level</a:t>
             </a:r>
             <a:endParaRPr lang="en-CA"/>
@@ -3407,35 +3337,35 @@
           <a:p>
             <a:pPr lvl="0"/>
             <a:r>
-              <a:rPr lang="en-US" smtClean="0"/>
+              <a:rPr lang="en-US"/>
               <a:t>Click to edit Master text styles</a:t>
             </a:r>
           </a:p>
           <a:p>
             <a:pPr lvl="1"/>
             <a:r>
-              <a:rPr lang="en-US" smtClean="0"/>
+              <a:rPr lang="en-US"/>
               <a:t>Second level</a:t>
             </a:r>
           </a:p>
           <a:p>
             <a:pPr lvl="2"/>
             <a:r>
-              <a:rPr lang="en-US" smtClean="0"/>
+              <a:rPr lang="en-US"/>
               <a:t>Third level</a:t>
             </a:r>
           </a:p>
           <a:p>
             <a:pPr lvl="3"/>
             <a:r>
-              <a:rPr lang="en-US" smtClean="0"/>
+              <a:rPr lang="en-US"/>
               <a:t>Fourth level</a:t>
             </a:r>
           </a:p>
           <a:p>
             <a:pPr lvl="4"/>
             <a:r>
-              <a:rPr lang="en-US" smtClean="0"/>
+              <a:rPr lang="en-US"/>
               <a:t>Fifth level</a:t>
             </a:r>
             <a:endParaRPr lang="en-CA"/>
@@ -3464,35 +3394,35 @@
           <a:p>
             <a:pPr lvl="0"/>
             <a:r>
-              <a:rPr lang="en-US" smtClean="0"/>
+              <a:rPr lang="en-US"/>
               <a:t>Click to edit Master text styles</a:t>
             </a:r>
           </a:p>
           <a:p>
             <a:pPr lvl="1"/>
             <a:r>
-              <a:rPr lang="en-US" smtClean="0"/>
+              <a:rPr lang="en-US"/>
               <a:t>Second level</a:t>
             </a:r>
           </a:p>
           <a:p>
             <a:pPr lvl="2"/>
             <a:r>
-              <a:rPr lang="en-US" smtClean="0"/>
+              <a:rPr lang="en-US"/>
               <a:t>Third level</a:t>
             </a:r>
           </a:p>
           <a:p>
             <a:pPr lvl="3"/>
             <a:r>
-              <a:rPr lang="en-US" smtClean="0"/>
+              <a:rPr lang="en-US"/>
               <a:t>Fourth level</a:t>
             </a:r>
           </a:p>
           <a:p>
             <a:pPr lvl="4"/>
             <a:r>
-              <a:rPr lang="en-US" smtClean="0"/>
+              <a:rPr lang="en-US"/>
               <a:t>Fifth level</a:t>
             </a:r>
             <a:endParaRPr lang="en-CA"/>
@@ -3608,13 +3538,6 @@
   <p:clrMapOvr>
     <a:masterClrMapping/>
   </p:clrMapOvr>
-  <p:timing>
-    <p:tnLst>
-      <p:par>
-        <p:cTn id="1" dur="indefinite" restart="never" nodeType="tmRoot"/>
-      </p:par>
-    </p:tnLst>
-  </p:timing>
 </p:sldLayout>
 </file>
 
@@ -3651,7 +3574,7 @@
           <a:lstStyle/>
           <a:p>
             <a:r>
-              <a:rPr lang="en-US" smtClean="0"/>
+              <a:rPr lang="en-US"/>
               <a:t>Click to edit Master title style</a:t>
             </a:r>
             <a:endParaRPr lang="en-CA" dirty="0"/>
@@ -3675,35 +3598,35 @@
           <a:p>
             <a:pPr lvl="0"/>
             <a:r>
-              <a:rPr lang="en-US" smtClean="0"/>
+              <a:rPr lang="en-US"/>
               <a:t>Click to edit Master text styles</a:t>
             </a:r>
           </a:p>
           <a:p>
             <a:pPr lvl="1"/>
             <a:r>
-              <a:rPr lang="en-US" smtClean="0"/>
+              <a:rPr lang="en-US"/>
               <a:t>Second level</a:t>
             </a:r>
           </a:p>
           <a:p>
             <a:pPr lvl="2"/>
             <a:r>
-              <a:rPr lang="en-US" smtClean="0"/>
+              <a:rPr lang="en-US"/>
               <a:t>Third level</a:t>
             </a:r>
           </a:p>
           <a:p>
             <a:pPr lvl="3"/>
             <a:r>
-              <a:rPr lang="en-US" smtClean="0"/>
+              <a:rPr lang="en-US"/>
               <a:t>Fourth level</a:t>
             </a:r>
           </a:p>
           <a:p>
             <a:pPr lvl="4"/>
             <a:r>
-              <a:rPr lang="en-US" smtClean="0"/>
+              <a:rPr lang="en-US"/>
               <a:t>Fifth level</a:t>
             </a:r>
             <a:endParaRPr lang="en-CA" dirty="0"/>
@@ -3794,13 +3717,6 @@
   <p:clrMapOvr>
     <a:masterClrMapping/>
   </p:clrMapOvr>
-  <p:timing>
-    <p:tnLst>
-      <p:par>
-        <p:cTn id="1" dur="indefinite" restart="never" nodeType="tmRoot"/>
-      </p:par>
-    </p:tnLst>
-  </p:timing>
 </p:sldLayout>
 </file>
 
@@ -4331,10 +4247,9 @@
           </a:lstStyle>
           <a:p>
             <a:r>
-              <a:rPr lang="en-US" smtClean="0"/>
+              <a:rPr lang="en-US"/>
               <a:t>Click to edit Master title style</a:t>
             </a:r>
-            <a:endParaRPr lang="en-US"/>
           </a:p>
         </p:txBody>
       </p:sp>
@@ -4396,10 +4311,9 @@
           </a:lstStyle>
           <a:p>
             <a:r>
-              <a:rPr lang="en-US" smtClean="0"/>
+              <a:rPr lang="en-US"/>
               <a:t>Click to edit Master subtitle style</a:t>
             </a:r>
-            <a:endParaRPr lang="en-US"/>
           </a:p>
         </p:txBody>
       </p:sp>
@@ -4535,10 +4449,9 @@
           <a:lstStyle/>
           <a:p>
             <a:r>
-              <a:rPr lang="en-US" smtClean="0"/>
+              <a:rPr lang="en-US"/>
               <a:t>Click to edit Master title style</a:t>
             </a:r>
-            <a:endParaRPr lang="en-US"/>
           </a:p>
         </p:txBody>
       </p:sp>
@@ -4559,38 +4472,37 @@
           <a:p>
             <a:pPr lvl="0"/>
             <a:r>
-              <a:rPr lang="en-US" smtClean="0"/>
+              <a:rPr lang="en-US"/>
               <a:t>Click to edit Master text styles</a:t>
             </a:r>
           </a:p>
           <a:p>
             <a:pPr lvl="1"/>
             <a:r>
-              <a:rPr lang="en-US" smtClean="0"/>
+              <a:rPr lang="en-US"/>
               <a:t>Second level</a:t>
             </a:r>
           </a:p>
           <a:p>
             <a:pPr lvl="2"/>
             <a:r>
-              <a:rPr lang="en-US" smtClean="0"/>
+              <a:rPr lang="en-US"/>
               <a:t>Third level</a:t>
             </a:r>
           </a:p>
           <a:p>
             <a:pPr lvl="3"/>
             <a:r>
-              <a:rPr lang="en-US" smtClean="0"/>
+              <a:rPr lang="en-US"/>
               <a:t>Fourth level</a:t>
             </a:r>
           </a:p>
           <a:p>
             <a:pPr lvl="4"/>
             <a:r>
-              <a:rPr lang="en-US" smtClean="0"/>
+              <a:rPr lang="en-US"/>
               <a:t>Fifth level</a:t>
             </a:r>
-            <a:endParaRPr lang="en-US"/>
           </a:p>
         </p:txBody>
       </p:sp>
@@ -4735,10 +4647,9 @@
           </a:lstStyle>
           <a:p>
             <a:r>
-              <a:rPr lang="en-US" smtClean="0"/>
+              <a:rPr lang="en-US"/>
               <a:t>Click to edit Master title style</a:t>
             </a:r>
-            <a:endParaRPr lang="en-US"/>
           </a:p>
         </p:txBody>
       </p:sp>
@@ -4855,7 +4766,7 @@
           <a:p>
             <a:pPr lvl="0"/>
             <a:r>
-              <a:rPr lang="en-US" smtClean="0"/>
+              <a:rPr lang="en-US"/>
               <a:t>Click to edit Master text styles</a:t>
             </a:r>
           </a:p>
@@ -4993,10 +4904,9 @@
           <a:lstStyle/>
           <a:p>
             <a:r>
-              <a:rPr lang="en-US" smtClean="0"/>
+              <a:rPr lang="en-US"/>
               <a:t>Click to edit Master title style</a:t>
             </a:r>
-            <a:endParaRPr lang="en-US"/>
           </a:p>
         </p:txBody>
       </p:sp>
@@ -5022,38 +4932,37 @@
           <a:p>
             <a:pPr lvl="0"/>
             <a:r>
-              <a:rPr lang="en-US" smtClean="0"/>
+              <a:rPr lang="en-US"/>
               <a:t>Click to edit Master text styles</a:t>
             </a:r>
           </a:p>
           <a:p>
             <a:pPr lvl="1"/>
             <a:r>
-              <a:rPr lang="en-US" smtClean="0"/>
+              <a:rPr lang="en-US"/>
               <a:t>Second level</a:t>
             </a:r>
           </a:p>
           <a:p>
             <a:pPr lvl="2"/>
             <a:r>
-              <a:rPr lang="en-US" smtClean="0"/>
+              <a:rPr lang="en-US"/>
               <a:t>Third level</a:t>
             </a:r>
           </a:p>
           <a:p>
             <a:pPr lvl="3"/>
             <a:r>
-              <a:rPr lang="en-US" smtClean="0"/>
+              <a:rPr lang="en-US"/>
               <a:t>Fourth level</a:t>
             </a:r>
           </a:p>
           <a:p>
             <a:pPr lvl="4"/>
             <a:r>
-              <a:rPr lang="en-US" smtClean="0"/>
+              <a:rPr lang="en-US"/>
               <a:t>Fifth level</a:t>
             </a:r>
-            <a:endParaRPr lang="en-US"/>
           </a:p>
         </p:txBody>
       </p:sp>
@@ -5079,38 +4988,37 @@
           <a:p>
             <a:pPr lvl="0"/>
             <a:r>
-              <a:rPr lang="en-US" smtClean="0"/>
+              <a:rPr lang="en-US"/>
               <a:t>Click to edit Master text styles</a:t>
             </a:r>
           </a:p>
           <a:p>
             <a:pPr lvl="1"/>
             <a:r>
-              <a:rPr lang="en-US" smtClean="0"/>
+              <a:rPr lang="en-US"/>
               <a:t>Second level</a:t>
             </a:r>
           </a:p>
           <a:p>
             <a:pPr lvl="2"/>
             <a:r>
-              <a:rPr lang="en-US" smtClean="0"/>
+              <a:rPr lang="en-US"/>
               <a:t>Third level</a:t>
             </a:r>
           </a:p>
           <a:p>
             <a:pPr lvl="3"/>
             <a:r>
-              <a:rPr lang="en-US" smtClean="0"/>
+              <a:rPr lang="en-US"/>
               <a:t>Fourth level</a:t>
             </a:r>
           </a:p>
           <a:p>
             <a:pPr lvl="4"/>
             <a:r>
-              <a:rPr lang="en-US" smtClean="0"/>
+              <a:rPr lang="en-US"/>
               <a:t>Fifth level</a:t>
             </a:r>
-            <a:endParaRPr lang="en-US"/>
           </a:p>
         </p:txBody>
       </p:sp>
@@ -5251,10 +5159,9 @@
           <a:lstStyle/>
           <a:p>
             <a:r>
-              <a:rPr lang="en-US" smtClean="0"/>
+              <a:rPr lang="en-US"/>
               <a:t>Click to edit Master title style</a:t>
             </a:r>
-            <a:endParaRPr lang="en-US"/>
           </a:p>
         </p:txBody>
       </p:sp>
@@ -5317,7 +5224,7 @@
           <a:p>
             <a:pPr lvl="0"/>
             <a:r>
-              <a:rPr lang="en-US" smtClean="0"/>
+              <a:rPr lang="en-US"/>
               <a:t>Click to edit Master text styles</a:t>
             </a:r>
           </a:p>
@@ -5345,38 +5252,37 @@
           <a:p>
             <a:pPr lvl="0"/>
             <a:r>
-              <a:rPr lang="en-US" smtClean="0"/>
+              <a:rPr lang="en-US"/>
               <a:t>Click to edit Master text styles</a:t>
             </a:r>
           </a:p>
           <a:p>
             <a:pPr lvl="1"/>
             <a:r>
-              <a:rPr lang="en-US" smtClean="0"/>
+              <a:rPr lang="en-US"/>
               <a:t>Second level</a:t>
             </a:r>
           </a:p>
           <a:p>
             <a:pPr lvl="2"/>
             <a:r>
-              <a:rPr lang="en-US" smtClean="0"/>
+              <a:rPr lang="en-US"/>
               <a:t>Third level</a:t>
             </a:r>
           </a:p>
           <a:p>
             <a:pPr lvl="3"/>
             <a:r>
-              <a:rPr lang="en-US" smtClean="0"/>
+              <a:rPr lang="en-US"/>
               <a:t>Fourth level</a:t>
             </a:r>
           </a:p>
           <a:p>
             <a:pPr lvl="4"/>
             <a:r>
-              <a:rPr lang="en-US" smtClean="0"/>
+              <a:rPr lang="en-US"/>
               <a:t>Fifth level</a:t>
             </a:r>
-            <a:endParaRPr lang="en-US"/>
           </a:p>
         </p:txBody>
       </p:sp>
@@ -5439,7 +5345,7 @@
           <a:p>
             <a:pPr lvl="0"/>
             <a:r>
-              <a:rPr lang="en-US" smtClean="0"/>
+              <a:rPr lang="en-US"/>
               <a:t>Click to edit Master text styles</a:t>
             </a:r>
           </a:p>
@@ -5467,38 +5373,37 @@
           <a:p>
             <a:pPr lvl="0"/>
             <a:r>
-              <a:rPr lang="en-US" smtClean="0"/>
+              <a:rPr lang="en-US"/>
               <a:t>Click to edit Master text styles</a:t>
             </a:r>
           </a:p>
           <a:p>
             <a:pPr lvl="1"/>
             <a:r>
-              <a:rPr lang="en-US" smtClean="0"/>
+              <a:rPr lang="en-US"/>
               <a:t>Second level</a:t>
             </a:r>
           </a:p>
           <a:p>
             <a:pPr lvl="2"/>
             <a:r>
-              <a:rPr lang="en-US" smtClean="0"/>
+              <a:rPr lang="en-US"/>
               <a:t>Third level</a:t>
             </a:r>
           </a:p>
           <a:p>
             <a:pPr lvl="3"/>
             <a:r>
-              <a:rPr lang="en-US" smtClean="0"/>
+              <a:rPr lang="en-US"/>
               <a:t>Fourth level</a:t>
             </a:r>
           </a:p>
           <a:p>
             <a:pPr lvl="4"/>
             <a:r>
-              <a:rPr lang="en-US" smtClean="0"/>
+              <a:rPr lang="en-US"/>
               <a:t>Fifth level</a:t>
             </a:r>
-            <a:endParaRPr lang="en-US"/>
           </a:p>
         </p:txBody>
       </p:sp>
@@ -5634,10 +5539,9 @@
           <a:lstStyle/>
           <a:p>
             <a:r>
-              <a:rPr lang="en-US" smtClean="0"/>
+              <a:rPr lang="en-US"/>
               <a:t>Click to edit Master title style</a:t>
             </a:r>
-            <a:endParaRPr lang="en-US"/>
           </a:p>
         </p:txBody>
       </p:sp>
@@ -5898,10 +5802,9 @@
           </a:lstStyle>
           <a:p>
             <a:r>
-              <a:rPr lang="en-US" smtClean="0"/>
+              <a:rPr lang="en-US"/>
               <a:t>Click to edit Master title style</a:t>
             </a:r>
-            <a:endParaRPr lang="en-US"/>
           </a:p>
         </p:txBody>
       </p:sp>
@@ -5955,38 +5858,37 @@
           <a:p>
             <a:pPr lvl="0"/>
             <a:r>
-              <a:rPr lang="en-US" smtClean="0"/>
+              <a:rPr lang="en-US"/>
               <a:t>Click to edit Master text styles</a:t>
             </a:r>
           </a:p>
           <a:p>
             <a:pPr lvl="1"/>
             <a:r>
-              <a:rPr lang="en-US" smtClean="0"/>
+              <a:rPr lang="en-US"/>
               <a:t>Second level</a:t>
             </a:r>
           </a:p>
           <a:p>
             <a:pPr lvl="2"/>
             <a:r>
-              <a:rPr lang="en-US" smtClean="0"/>
+              <a:rPr lang="en-US"/>
               <a:t>Third level</a:t>
             </a:r>
           </a:p>
           <a:p>
             <a:pPr lvl="3"/>
             <a:r>
-              <a:rPr lang="en-US" smtClean="0"/>
+              <a:rPr lang="en-US"/>
               <a:t>Fourth level</a:t>
             </a:r>
           </a:p>
           <a:p>
             <a:pPr lvl="4"/>
             <a:r>
-              <a:rPr lang="en-US" smtClean="0"/>
+              <a:rPr lang="en-US"/>
               <a:t>Fifth level</a:t>
             </a:r>
-            <a:endParaRPr lang="en-US"/>
           </a:p>
         </p:txBody>
       </p:sp>
@@ -6049,7 +5951,7 @@
           <a:p>
             <a:pPr lvl="0"/>
             <a:r>
-              <a:rPr lang="en-US" smtClean="0"/>
+              <a:rPr lang="en-US"/>
               <a:t>Click to edit Master text styles</a:t>
             </a:r>
           </a:p>
@@ -6196,10 +6098,9 @@
           </a:lstStyle>
           <a:p>
             <a:r>
-              <a:rPr lang="en-US" smtClean="0"/>
+              <a:rPr lang="en-US"/>
               <a:t>Click to edit Master title style</a:t>
             </a:r>
-            <a:endParaRPr lang="en-US"/>
           </a:p>
         </p:txBody>
       </p:sp>
@@ -6261,10 +6162,9 @@
           </a:lstStyle>
           <a:p>
             <a:r>
-              <a:rPr lang="en-US" smtClean="0"/>
+              <a:rPr lang="en-US"/>
               <a:t>Click icon to add picture</a:t>
             </a:r>
-            <a:endParaRPr lang="en-US"/>
           </a:p>
         </p:txBody>
       </p:sp>
@@ -6327,7 +6227,7 @@
           <a:p>
             <a:pPr lvl="0"/>
             <a:r>
-              <a:rPr lang="en-US" smtClean="0"/>
+              <a:rPr lang="en-US"/>
               <a:t>Click to edit Master text styles</a:t>
             </a:r>
           </a:p>
@@ -6474,7 +6374,7 @@
           </a:lstStyle>
           <a:p>
             <a:r>
-              <a:rPr lang="en-US" smtClean="0"/>
+              <a:rPr lang="en-US"/>
               <a:t>Click to edit Master title style</a:t>
             </a:r>
             <a:endParaRPr lang="en-CA"/>
@@ -6540,7 +6440,7 @@
           <a:p>
             <a:pPr lvl="0"/>
             <a:r>
-              <a:rPr lang="en-US" smtClean="0"/>
+              <a:rPr lang="en-US"/>
               <a:t>Click to edit Master text styles</a:t>
             </a:r>
           </a:p>
@@ -6650,13 +6550,6 @@
   <p:clrMapOvr>
     <a:masterClrMapping/>
   </p:clrMapOvr>
-  <p:timing>
-    <p:tnLst>
-      <p:par>
-        <p:cTn id="1" dur="indefinite" restart="never" nodeType="tmRoot"/>
-      </p:par>
-    </p:tnLst>
-  </p:timing>
 </p:sldLayout>
 </file>
 
@@ -6693,10 +6586,9 @@
           <a:lstStyle/>
           <a:p>
             <a:r>
-              <a:rPr lang="en-US" smtClean="0"/>
+              <a:rPr lang="en-US"/>
               <a:t>Click to edit Master title style</a:t>
             </a:r>
-            <a:endParaRPr lang="en-US"/>
           </a:p>
         </p:txBody>
       </p:sp>
@@ -6717,38 +6609,37 @@
           <a:p>
             <a:pPr lvl="0"/>
             <a:r>
-              <a:rPr lang="en-US" smtClean="0"/>
+              <a:rPr lang="en-US"/>
               <a:t>Click to edit Master text styles</a:t>
             </a:r>
           </a:p>
           <a:p>
             <a:pPr lvl="1"/>
             <a:r>
-              <a:rPr lang="en-US" smtClean="0"/>
+              <a:rPr lang="en-US"/>
               <a:t>Second level</a:t>
             </a:r>
           </a:p>
           <a:p>
             <a:pPr lvl="2"/>
             <a:r>
-              <a:rPr lang="en-US" smtClean="0"/>
+              <a:rPr lang="en-US"/>
               <a:t>Third level</a:t>
             </a:r>
           </a:p>
           <a:p>
             <a:pPr lvl="3"/>
             <a:r>
-              <a:rPr lang="en-US" smtClean="0"/>
+              <a:rPr lang="en-US"/>
               <a:t>Fourth level</a:t>
             </a:r>
           </a:p>
           <a:p>
             <a:pPr lvl="4"/>
             <a:r>
-              <a:rPr lang="en-US" smtClean="0"/>
+              <a:rPr lang="en-US"/>
               <a:t>Fifth level</a:t>
             </a:r>
-            <a:endParaRPr lang="en-US"/>
           </a:p>
         </p:txBody>
       </p:sp>
@@ -6889,10 +6780,9 @@
           <a:lstStyle/>
           <a:p>
             <a:r>
-              <a:rPr lang="en-US" smtClean="0"/>
+              <a:rPr lang="en-US"/>
               <a:t>Click to edit Master title style</a:t>
             </a:r>
-            <a:endParaRPr lang="en-US"/>
           </a:p>
         </p:txBody>
       </p:sp>
@@ -6918,38 +6808,37 @@
           <a:p>
             <a:pPr lvl="0"/>
             <a:r>
-              <a:rPr lang="en-US" smtClean="0"/>
+              <a:rPr lang="en-US"/>
               <a:t>Click to edit Master text styles</a:t>
             </a:r>
           </a:p>
           <a:p>
             <a:pPr lvl="1"/>
             <a:r>
-              <a:rPr lang="en-US" smtClean="0"/>
+              <a:rPr lang="en-US"/>
               <a:t>Second level</a:t>
             </a:r>
           </a:p>
           <a:p>
             <a:pPr lvl="2"/>
             <a:r>
-              <a:rPr lang="en-US" smtClean="0"/>
+              <a:rPr lang="en-US"/>
               <a:t>Third level</a:t>
             </a:r>
           </a:p>
           <a:p>
             <a:pPr lvl="3"/>
             <a:r>
-              <a:rPr lang="en-US" smtClean="0"/>
+              <a:rPr lang="en-US"/>
               <a:t>Fourth level</a:t>
             </a:r>
           </a:p>
           <a:p>
             <a:pPr lvl="4"/>
             <a:r>
-              <a:rPr lang="en-US" smtClean="0"/>
+              <a:rPr lang="en-US"/>
               <a:t>Fifth level</a:t>
             </a:r>
-            <a:endParaRPr lang="en-US"/>
           </a:p>
         </p:txBody>
       </p:sp>
@@ -7085,7 +6974,7 @@
           <a:lstStyle/>
           <a:p>
             <a:r>
-              <a:rPr lang="en-US" smtClean="0"/>
+              <a:rPr lang="en-US"/>
               <a:t>Click to edit Master title style</a:t>
             </a:r>
             <a:endParaRPr lang="en-CA"/>
@@ -7142,35 +7031,35 @@
           <a:p>
             <a:pPr lvl="0"/>
             <a:r>
-              <a:rPr lang="en-US" smtClean="0"/>
+              <a:rPr lang="en-US"/>
               <a:t>Click to edit Master text styles</a:t>
             </a:r>
           </a:p>
           <a:p>
             <a:pPr lvl="1"/>
             <a:r>
-              <a:rPr lang="en-US" smtClean="0"/>
+              <a:rPr lang="en-US"/>
               <a:t>Second level</a:t>
             </a:r>
           </a:p>
           <a:p>
             <a:pPr lvl="2"/>
             <a:r>
-              <a:rPr lang="en-US" smtClean="0"/>
+              <a:rPr lang="en-US"/>
               <a:t>Third level</a:t>
             </a:r>
           </a:p>
           <a:p>
             <a:pPr lvl="3"/>
             <a:r>
-              <a:rPr lang="en-US" smtClean="0"/>
+              <a:rPr lang="en-US"/>
               <a:t>Fourth level</a:t>
             </a:r>
           </a:p>
           <a:p>
             <a:pPr lvl="4"/>
             <a:r>
-              <a:rPr lang="en-US" smtClean="0"/>
+              <a:rPr lang="en-US"/>
               <a:t>Fifth level</a:t>
             </a:r>
             <a:endParaRPr lang="en-CA"/>
@@ -7227,35 +7116,35 @@
           <a:p>
             <a:pPr lvl="0"/>
             <a:r>
-              <a:rPr lang="en-US" smtClean="0"/>
+              <a:rPr lang="en-US"/>
               <a:t>Click to edit Master text styles</a:t>
             </a:r>
           </a:p>
           <a:p>
             <a:pPr lvl="1"/>
             <a:r>
-              <a:rPr lang="en-US" smtClean="0"/>
+              <a:rPr lang="en-US"/>
               <a:t>Second level</a:t>
             </a:r>
           </a:p>
           <a:p>
             <a:pPr lvl="2"/>
             <a:r>
-              <a:rPr lang="en-US" smtClean="0"/>
+              <a:rPr lang="en-US"/>
               <a:t>Third level</a:t>
             </a:r>
           </a:p>
           <a:p>
             <a:pPr lvl="3"/>
             <a:r>
-              <a:rPr lang="en-US" smtClean="0"/>
+              <a:rPr lang="en-US"/>
               <a:t>Fourth level</a:t>
             </a:r>
           </a:p>
           <a:p>
             <a:pPr lvl="4"/>
             <a:r>
-              <a:rPr lang="en-US" smtClean="0"/>
+              <a:rPr lang="en-US"/>
               <a:t>Fifth level</a:t>
             </a:r>
             <a:endParaRPr lang="en-CA"/>
@@ -7366,13 +7255,6 @@
   <p:clrMapOvr>
     <a:masterClrMapping/>
   </p:clrMapOvr>
-  <p:timing>
-    <p:tnLst>
-      <p:par>
-        <p:cTn id="1" dur="indefinite" restart="never" nodeType="tmRoot"/>
-      </p:par>
-    </p:tnLst>
-  </p:timing>
 </p:sldLayout>
 </file>
 
@@ -7418,7 +7300,7 @@
           </a:lstStyle>
           <a:p>
             <a:r>
-              <a:rPr lang="en-US" smtClean="0"/>
+              <a:rPr lang="en-US"/>
               <a:t>Click to edit Master title style</a:t>
             </a:r>
             <a:endParaRPr lang="en-CA"/>
@@ -7484,7 +7366,7 @@
           <a:p>
             <a:pPr lvl="0"/>
             <a:r>
-              <a:rPr lang="en-US" smtClean="0"/>
+              <a:rPr lang="en-US"/>
               <a:t>Click to edit Master text styles</a:t>
             </a:r>
           </a:p>
@@ -7540,35 +7422,35 @@
           <a:p>
             <a:pPr lvl="0"/>
             <a:r>
-              <a:rPr lang="en-US" smtClean="0"/>
+              <a:rPr lang="en-US"/>
               <a:t>Click to edit Master text styles</a:t>
             </a:r>
           </a:p>
           <a:p>
             <a:pPr lvl="1"/>
             <a:r>
-              <a:rPr lang="en-US" smtClean="0"/>
+              <a:rPr lang="en-US"/>
               <a:t>Second level</a:t>
             </a:r>
           </a:p>
           <a:p>
             <a:pPr lvl="2"/>
             <a:r>
-              <a:rPr lang="en-US" smtClean="0"/>
+              <a:rPr lang="en-US"/>
               <a:t>Third level</a:t>
             </a:r>
           </a:p>
           <a:p>
             <a:pPr lvl="3"/>
             <a:r>
-              <a:rPr lang="en-US" smtClean="0"/>
+              <a:rPr lang="en-US"/>
               <a:t>Fourth level</a:t>
             </a:r>
           </a:p>
           <a:p>
             <a:pPr lvl="4"/>
             <a:r>
-              <a:rPr lang="en-US" smtClean="0"/>
+              <a:rPr lang="en-US"/>
               <a:t>Fifth level</a:t>
             </a:r>
             <a:endParaRPr lang="en-CA"/>
@@ -7634,7 +7516,7 @@
           <a:p>
             <a:pPr lvl="0"/>
             <a:r>
-              <a:rPr lang="en-US" smtClean="0"/>
+              <a:rPr lang="en-US"/>
               <a:t>Click to edit Master text styles</a:t>
             </a:r>
           </a:p>
@@ -7690,35 +7572,35 @@
           <a:p>
             <a:pPr lvl="0"/>
             <a:r>
-              <a:rPr lang="en-US" smtClean="0"/>
+              <a:rPr lang="en-US"/>
               <a:t>Click to edit Master text styles</a:t>
             </a:r>
           </a:p>
           <a:p>
             <a:pPr lvl="1"/>
             <a:r>
-              <a:rPr lang="en-US" smtClean="0"/>
+              <a:rPr lang="en-US"/>
               <a:t>Second level</a:t>
             </a:r>
           </a:p>
           <a:p>
             <a:pPr lvl="2"/>
             <a:r>
-              <a:rPr lang="en-US" smtClean="0"/>
+              <a:rPr lang="en-US"/>
               <a:t>Third level</a:t>
             </a:r>
           </a:p>
           <a:p>
             <a:pPr lvl="3"/>
             <a:r>
-              <a:rPr lang="en-US" smtClean="0"/>
+              <a:rPr lang="en-US"/>
               <a:t>Fourth level</a:t>
             </a:r>
           </a:p>
           <a:p>
             <a:pPr lvl="4"/>
             <a:r>
-              <a:rPr lang="en-US" smtClean="0"/>
+              <a:rPr lang="en-US"/>
               <a:t>Fifth level</a:t>
             </a:r>
             <a:endParaRPr lang="en-CA"/>
@@ -7829,13 +7711,6 @@
   <p:clrMapOvr>
     <a:masterClrMapping/>
   </p:clrMapOvr>
-  <p:timing>
-    <p:tnLst>
-      <p:par>
-        <p:cTn id="1" dur="indefinite" restart="never" nodeType="tmRoot"/>
-      </p:par>
-    </p:tnLst>
-  </p:timing>
 </p:sldLayout>
 </file>
 
@@ -7872,7 +7747,7 @@
           <a:lstStyle/>
           <a:p>
             <a:r>
-              <a:rPr lang="en-US" smtClean="0"/>
+              <a:rPr lang="en-US"/>
               <a:t>Click to edit Master title style</a:t>
             </a:r>
             <a:endParaRPr lang="en-CA"/>
@@ -7983,13 +7858,6 @@
   <p:clrMapOvr>
     <a:masterClrMapping/>
   </p:clrMapOvr>
-  <p:timing>
-    <p:tnLst>
-      <p:par>
-        <p:cTn id="1" dur="indefinite" restart="never" nodeType="tmRoot"/>
-      </p:par>
-    </p:tnLst>
-  </p:timing>
 </p:sldLayout>
 </file>
 
@@ -8114,13 +7982,6 @@
   <p:clrMapOvr>
     <a:masterClrMapping/>
   </p:clrMapOvr>
-  <p:timing>
-    <p:tnLst>
-      <p:par>
-        <p:cTn id="1" dur="indefinite" restart="never" nodeType="tmRoot"/>
-      </p:par>
-    </p:tnLst>
-  </p:timing>
 </p:sldLayout>
 </file>
 
@@ -8166,7 +8027,7 @@
           </a:lstStyle>
           <a:p>
             <a:r>
-              <a:rPr lang="en-US" smtClean="0"/>
+              <a:rPr lang="en-US"/>
               <a:t>Click to edit Master title style</a:t>
             </a:r>
             <a:endParaRPr lang="en-CA"/>
@@ -8223,35 +8084,35 @@
           <a:p>
             <a:pPr lvl="0"/>
             <a:r>
-              <a:rPr lang="en-US" smtClean="0"/>
+              <a:rPr lang="en-US"/>
               <a:t>Click to edit Master text styles</a:t>
             </a:r>
           </a:p>
           <a:p>
             <a:pPr lvl="1"/>
             <a:r>
-              <a:rPr lang="en-US" smtClean="0"/>
+              <a:rPr lang="en-US"/>
               <a:t>Second level</a:t>
             </a:r>
           </a:p>
           <a:p>
             <a:pPr lvl="2"/>
             <a:r>
-              <a:rPr lang="en-US" smtClean="0"/>
+              <a:rPr lang="en-US"/>
               <a:t>Third level</a:t>
             </a:r>
           </a:p>
           <a:p>
             <a:pPr lvl="3"/>
             <a:r>
-              <a:rPr lang="en-US" smtClean="0"/>
+              <a:rPr lang="en-US"/>
               <a:t>Fourth level</a:t>
             </a:r>
           </a:p>
           <a:p>
             <a:pPr lvl="4"/>
             <a:r>
-              <a:rPr lang="en-US" smtClean="0"/>
+              <a:rPr lang="en-US"/>
               <a:t>Fifth level</a:t>
             </a:r>
             <a:endParaRPr lang="en-CA"/>
@@ -8317,7 +8178,7 @@
           <a:p>
             <a:pPr lvl="0"/>
             <a:r>
-              <a:rPr lang="en-US" smtClean="0"/>
+              <a:rPr lang="en-US"/>
               <a:t>Click to edit Master text styles</a:t>
             </a:r>
           </a:p>
@@ -8427,13 +8288,6 @@
   <p:clrMapOvr>
     <a:masterClrMapping/>
   </p:clrMapOvr>
-  <p:timing>
-    <p:tnLst>
-      <p:par>
-        <p:cTn id="1" dur="indefinite" restart="never" nodeType="tmRoot"/>
-      </p:par>
-    </p:tnLst>
-  </p:timing>
 </p:sldLayout>
 </file>
 
@@ -8479,7 +8333,7 @@
           </a:lstStyle>
           <a:p>
             <a:r>
-              <a:rPr lang="en-US" smtClean="0"/>
+              <a:rPr lang="en-US"/>
               <a:t>Click to edit Master title style</a:t>
             </a:r>
             <a:endParaRPr lang="en-CA"/>
@@ -8544,7 +8398,7 @@
           </a:lstStyle>
           <a:p>
             <a:r>
-              <a:rPr lang="en-US" smtClean="0"/>
+              <a:rPr lang="en-US"/>
               <a:t>Click icon to add picture</a:t>
             </a:r>
             <a:endParaRPr lang="en-CA"/>
@@ -8610,7 +8464,7 @@
           <a:p>
             <a:pPr lvl="0"/>
             <a:r>
-              <a:rPr lang="en-US" smtClean="0"/>
+              <a:rPr lang="en-US"/>
               <a:t>Click to edit Master text styles</a:t>
             </a:r>
           </a:p>
@@ -8720,13 +8574,6 @@
   <p:clrMapOvr>
     <a:masterClrMapping/>
   </p:clrMapOvr>
-  <p:timing>
-    <p:tnLst>
-      <p:par>
-        <p:cTn id="1" dur="indefinite" restart="never" nodeType="tmRoot"/>
-      </p:par>
-    </p:tnLst>
-  </p:timing>
 </p:sldLayout>
 </file>
 
@@ -8827,10 +8674,10 @@
           <a:p>
             <a:pPr lvl="0"/>
             <a:r>
-              <a:rPr lang="en-US" smtClean="0"/>
+              <a:rPr lang="en-US"/>
               <a:t>Click to edit Master title style</a:t>
             </a:r>
-            <a:endParaRPr lang="en-CA" dirty="0" smtClean="0"/>
+            <a:endParaRPr lang="en-CA" dirty="0"/>
           </a:p>
         </p:txBody>
       </p:sp>
@@ -8871,38 +8718,38 @@
           <a:p>
             <a:pPr lvl="0"/>
             <a:r>
-              <a:rPr lang="en-US" smtClean="0"/>
+              <a:rPr lang="en-US"/>
               <a:t>Click to edit Master text styles</a:t>
             </a:r>
           </a:p>
           <a:p>
             <a:pPr lvl="1"/>
             <a:r>
-              <a:rPr lang="en-US" smtClean="0"/>
+              <a:rPr lang="en-US"/>
               <a:t>Second level</a:t>
             </a:r>
           </a:p>
           <a:p>
             <a:pPr lvl="2"/>
             <a:r>
-              <a:rPr lang="en-US" smtClean="0"/>
+              <a:rPr lang="en-US"/>
               <a:t>Third level</a:t>
             </a:r>
           </a:p>
           <a:p>
             <a:pPr lvl="3"/>
             <a:r>
-              <a:rPr lang="en-US" smtClean="0"/>
+              <a:rPr lang="en-US"/>
               <a:t>Fourth level</a:t>
             </a:r>
           </a:p>
           <a:p>
             <a:pPr lvl="4"/>
             <a:r>
-              <a:rPr lang="en-US" smtClean="0"/>
+              <a:rPr lang="en-US"/>
               <a:t>Fifth level</a:t>
             </a:r>
-            <a:endParaRPr lang="en-CA" dirty="0" smtClean="0"/>
+            <a:endParaRPr lang="en-CA" dirty="0"/>
           </a:p>
         </p:txBody>
       </p:sp>
@@ -9124,13 +8971,6 @@
     <p:sldLayoutId id="2147483800" r:id="rId19"/>
     <p:sldLayoutId id="2147483656" r:id="rId20"/>
   </p:sldLayoutIdLst>
-  <p:timing>
-    <p:tnLst>
-      <p:par>
-        <p:cTn id="1" dur="indefinite" restart="never" nodeType="tmRoot"/>
-      </p:par>
-    </p:tnLst>
-  </p:timing>
   <p:hf hdr="0" ftr="0" dt="0"/>
   <p:txStyles>
     <p:titleStyle>
@@ -9556,10 +9396,9 @@
           <a:lstStyle/>
           <a:p>
             <a:r>
-              <a:rPr lang="en-US" smtClean="0"/>
+              <a:rPr lang="en-US"/>
               <a:t>Click to edit Master title style</a:t>
             </a:r>
-            <a:endParaRPr lang="en-US"/>
           </a:p>
         </p:txBody>
       </p:sp>
@@ -9590,38 +9429,37 @@
           <a:p>
             <a:pPr lvl="0"/>
             <a:r>
-              <a:rPr lang="en-US" smtClean="0"/>
+              <a:rPr lang="en-US"/>
               <a:t>Click to edit Master text styles</a:t>
             </a:r>
           </a:p>
           <a:p>
             <a:pPr lvl="1"/>
             <a:r>
-              <a:rPr lang="en-US" smtClean="0"/>
+              <a:rPr lang="en-US"/>
               <a:t>Second level</a:t>
             </a:r>
           </a:p>
           <a:p>
             <a:pPr lvl="2"/>
             <a:r>
-              <a:rPr lang="en-US" smtClean="0"/>
+              <a:rPr lang="en-US"/>
               <a:t>Third level</a:t>
             </a:r>
           </a:p>
           <a:p>
             <a:pPr lvl="3"/>
             <a:r>
-              <a:rPr lang="en-US" smtClean="0"/>
+              <a:rPr lang="en-US"/>
               <a:t>Fourth level</a:t>
             </a:r>
           </a:p>
           <a:p>
             <a:pPr lvl="4"/>
             <a:r>
-              <a:rPr lang="en-US" smtClean="0"/>
+              <a:rPr lang="en-US"/>
               <a:t>Fifth level</a:t>
             </a:r>
-            <a:endParaRPr lang="en-US"/>
           </a:p>
         </p:txBody>
       </p:sp>
@@ -10114,7 +9952,6 @@
               <a:rPr lang="en-US" sz="3000" dirty="0"/>
               <a:t>TALK TITLE</a:t>
             </a:r>
-            <a:endParaRPr lang="en-US" sz="3000" dirty="0"/>
           </a:p>
         </p:txBody>
       </p:sp>
@@ -10145,7 +9982,6 @@
               <a:rPr lang="en-US" sz="2000" dirty="0"/>
               <a:t>Author(s)</a:t>
             </a:r>
-            <a:endParaRPr lang="en-US" sz="2000" dirty="0"/>
           </a:p>
           <a:p>
             <a:pPr algn="ctr"/>
@@ -10153,7 +9989,6 @@
               <a:rPr lang="en-US" sz="2000" dirty="0"/>
               <a:t>Date</a:t>
             </a:r>
-            <a:endParaRPr lang="en-US" sz="2000" dirty="0"/>
           </a:p>
         </p:txBody>
       </p:sp>
@@ -10175,13 +10010,6 @@
       <p:transition spd="slow" advTm="30839"/>
     </mc:Fallback>
   </mc:AlternateContent>
-  <p:timing>
-    <p:tnLst>
-      <p:par>
-        <p:cTn id="1" dur="indefinite" restart="never" nodeType="tmRoot"/>
-      </p:par>
-    </p:tnLst>
-  </p:timing>
 </p:sld>
 </file>
 
@@ -10245,7 +10073,6 @@
               <a:rPr lang="en-US" sz="3000" dirty="0"/>
               <a:t>Slide title</a:t>
             </a:r>
-            <a:endParaRPr lang="en-US" sz="3000" dirty="0"/>
           </a:p>
         </p:txBody>
       </p:sp>
@@ -10282,13 +10109,6 @@
   <p:clrMapOvr>
     <a:masterClrMapping/>
   </p:clrMapOvr>
-  <p:timing>
-    <p:tnLst>
-      <p:par>
-        <p:cTn id="1" dur="indefinite" restart="never" nodeType="tmRoot"/>
-      </p:par>
-    </p:tnLst>
-  </p:timing>
 </p:sld>
 </file>
 
@@ -10309,323 +10129,293 @@
           <a:chExt cx="0" cy="0"/>
         </a:xfrm>
       </p:grpSpPr>
-      <p:grpSp>
-        <p:nvGrpSpPr>
-          <p:cNvPr id="7" name="Group 6"/>
-          <p:cNvGrpSpPr/>
+      <p:pic>
+        <p:nvPicPr>
+          <p:cNvPr id="2060" name="Picture 12" descr="http://cfmm.robarts.ca/wp-content/uploads/2013/03/Functional_Metabolic_Mapping_RGB1.jpg"/>
+          <p:cNvPicPr>
+            <a:picLocks noChangeAspect="1" noChangeArrowheads="1"/>
+          </p:cNvPicPr>
           <p:nvPr/>
-        </p:nvGrpSpPr>
-        <p:grpSpPr>
-          <a:xfrm>
-            <a:off x="967561" y="5534316"/>
-            <a:ext cx="7208879" cy="1160897"/>
-            <a:chOff x="1481070" y="4974834"/>
-            <a:chExt cx="7797524" cy="1255691"/>
-          </a:xfrm>
-        </p:grpSpPr>
-        <p:pic>
-          <p:nvPicPr>
-            <p:cNvPr id="2060" name="Picture 12" descr="http://cfmm.robarts.ca/wp-content/uploads/2013/03/Functional_Metabolic_Mapping_RGB1.jpg"/>
-            <p:cNvPicPr>
-              <a:picLocks noChangeAspect="1" noChangeArrowheads="1"/>
-            </p:cNvPicPr>
-            <p:nvPr/>
-          </p:nvPicPr>
-          <p:blipFill>
-            <a:blip r:embed="rId3">
-              <a:extLst>
-                <a:ext uri="{28A0092B-C50C-407E-A947-70E740481C1C}">
-                  <a14:useLocalDpi xmlns:a14="http://schemas.microsoft.com/office/drawing/2010/main" val="0"/>
-                </a:ext>
-              </a:extLst>
-            </a:blip>
-            <a:srcRect/>
-            <a:stretch>
-              <a:fillRect/>
-            </a:stretch>
-          </p:blipFill>
-          <p:spPr bwMode="auto">
-            <a:xfrm>
-              <a:off x="6553453" y="4974834"/>
-              <a:ext cx="1616539" cy="498541"/>
-            </a:xfrm>
-            <a:prstGeom prst="rect">
-              <a:avLst/>
-            </a:prstGeom>
-            <a:noFill/>
+        </p:nvPicPr>
+        <p:blipFill>
+          <a:blip r:embed="rId3">
             <a:extLst>
-              <a:ext uri="{909E8E84-426E-40DD-AFC4-6F175D3DCCD1}">
-                <a14:hiddenFill xmlns:a14="http://schemas.microsoft.com/office/drawing/2010/main">
-                  <a:solidFill>
-                    <a:srgbClr val="FFFFFF"/>
-                  </a:solidFill>
-                </a14:hiddenFill>
+              <a:ext uri="{28A0092B-C50C-407E-A947-70E740481C1C}">
+                <a14:useLocalDpi xmlns:a14="http://schemas.microsoft.com/office/drawing/2010/main" val="0"/>
               </a:ext>
             </a:extLst>
-          </p:spPr>
-        </p:pic>
-        <p:pic>
-          <p:nvPicPr>
-            <p:cNvPr id="2052" name="Picture 4" descr="BrainsCAN.png"/>
-            <p:cNvPicPr>
-              <a:picLocks noChangeAspect="1" noChangeArrowheads="1"/>
-            </p:cNvPicPr>
-            <p:nvPr/>
-          </p:nvPicPr>
-          <p:blipFill>
-            <a:blip r:embed="rId4">
-              <a:extLst>
-                <a:ext uri="{28A0092B-C50C-407E-A947-70E740481C1C}">
-                  <a14:useLocalDpi xmlns:a14="http://schemas.microsoft.com/office/drawing/2010/main" val="0"/>
-                </a:ext>
-              </a:extLst>
-            </a:blip>
-            <a:srcRect/>
-            <a:stretch>
-              <a:fillRect/>
-            </a:stretch>
-          </p:blipFill>
-          <p:spPr bwMode="auto">
-            <a:xfrm>
-              <a:off x="3780856" y="4974835"/>
-              <a:ext cx="1617614" cy="498541"/>
-            </a:xfrm>
-            <a:prstGeom prst="rect">
-              <a:avLst/>
-            </a:prstGeom>
-            <a:noFill/>
+          </a:blip>
+          <a:srcRect/>
+          <a:stretch>
+            <a:fillRect/>
+          </a:stretch>
+        </p:blipFill>
+        <p:spPr bwMode="auto">
+          <a:xfrm>
+            <a:off x="5657023" y="5534316"/>
+            <a:ext cx="1494504" cy="460905"/>
+          </a:xfrm>
+          <a:prstGeom prst="rect">
+            <a:avLst/>
+          </a:prstGeom>
+          <a:noFill/>
+          <a:extLst>
+            <a:ext uri="{909E8E84-426E-40DD-AFC4-6F175D3DCCD1}">
+              <a14:hiddenFill xmlns:a14="http://schemas.microsoft.com/office/drawing/2010/main">
+                <a:solidFill>
+                  <a:srgbClr val="FFFFFF"/>
+                </a:solidFill>
+              </a14:hiddenFill>
+            </a:ext>
+          </a:extLst>
+        </p:spPr>
+      </p:pic>
+      <p:pic>
+        <p:nvPicPr>
+          <p:cNvPr id="2052" name="Picture 4" descr="BrainsCAN.png"/>
+          <p:cNvPicPr>
+            <a:picLocks noChangeAspect="1" noChangeArrowheads="1"/>
+          </p:cNvPicPr>
+          <p:nvPr/>
+        </p:nvPicPr>
+        <p:blipFill>
+          <a:blip r:embed="rId4">
             <a:extLst>
-              <a:ext uri="{909E8E84-426E-40DD-AFC4-6F175D3DCCD1}">
-                <a14:hiddenFill xmlns:a14="http://schemas.microsoft.com/office/drawing/2010/main">
-                  <a:solidFill>
-                    <a:srgbClr val="FFFFFF"/>
-                  </a:solidFill>
-                </a14:hiddenFill>
+              <a:ext uri="{28A0092B-C50C-407E-A947-70E740481C1C}">
+                <a14:useLocalDpi xmlns:a14="http://schemas.microsoft.com/office/drawing/2010/main" val="0"/>
               </a:ext>
             </a:extLst>
-          </p:spPr>
-        </p:pic>
-        <p:grpSp>
-          <p:nvGrpSpPr>
-            <p:cNvPr id="5" name="Group 4"/>
-            <p:cNvGrpSpPr/>
-            <p:nvPr/>
-          </p:nvGrpSpPr>
-          <p:grpSpPr>
-            <a:xfrm>
-              <a:off x="1481070" y="5571890"/>
-              <a:ext cx="7797524" cy="658635"/>
-              <a:chOff x="2490423" y="5571890"/>
-              <a:chExt cx="7797524" cy="658635"/>
-            </a:xfrm>
-          </p:grpSpPr>
-          <p:pic>
-            <p:nvPicPr>
-              <p:cNvPr id="2054" name="Picture 6" descr="Eplink.png"/>
-              <p:cNvPicPr>
-                <a:picLocks noChangeAspect="1" noChangeArrowheads="1"/>
-              </p:cNvPicPr>
-              <p:nvPr/>
-            </p:nvPicPr>
-            <p:blipFill>
-              <a:blip r:embed="rId5">
-                <a:extLst>
-                  <a:ext uri="{28A0092B-C50C-407E-A947-70E740481C1C}">
-                    <a14:useLocalDpi xmlns:a14="http://schemas.microsoft.com/office/drawing/2010/main" val="0"/>
-                  </a:ext>
-                </a:extLst>
-              </a:blip>
-              <a:srcRect/>
-              <a:stretch>
-                <a:fillRect/>
-              </a:stretch>
-            </p:blipFill>
-            <p:spPr bwMode="auto">
-              <a:xfrm>
-                <a:off x="4790209" y="5571925"/>
-                <a:ext cx="851290" cy="601997"/>
-              </a:xfrm>
-              <a:prstGeom prst="rect">
-                <a:avLst/>
-              </a:prstGeom>
-              <a:noFill/>
-              <a:extLst>
-                <a:ext uri="{909E8E84-426E-40DD-AFC4-6F175D3DCCD1}">
-                  <a14:hiddenFill xmlns:a14="http://schemas.microsoft.com/office/drawing/2010/main">
-                    <a:solidFill>
-                      <a:srgbClr val="FFFFFF"/>
-                    </a:solidFill>
-                  </a14:hiddenFill>
-                </a:ext>
-              </a:extLst>
-            </p:spPr>
-          </p:pic>
-          <p:pic>
-            <p:nvPicPr>
-              <p:cNvPr id="2056" name="Picture 8" descr="BrainCanada.png"/>
-              <p:cNvPicPr>
-                <a:picLocks noChangeAspect="1" noChangeArrowheads="1"/>
-              </p:cNvPicPr>
-              <p:nvPr/>
-            </p:nvPicPr>
-            <p:blipFill>
-              <a:blip r:embed="rId6">
-                <a:extLst>
-                  <a:ext uri="{28A0092B-C50C-407E-A947-70E740481C1C}">
-                    <a14:useLocalDpi xmlns:a14="http://schemas.microsoft.com/office/drawing/2010/main" val="0"/>
-                  </a:ext>
-                </a:extLst>
-              </a:blip>
-              <a:srcRect/>
-              <a:stretch>
-                <a:fillRect/>
-              </a:stretch>
-            </p:blipFill>
-            <p:spPr bwMode="auto">
-              <a:xfrm>
-                <a:off x="5811062" y="5614528"/>
-                <a:ext cx="1957873" cy="559393"/>
-              </a:xfrm>
-              <a:prstGeom prst="rect">
-                <a:avLst/>
-              </a:prstGeom>
-              <a:noFill/>
-              <a:extLst>
-                <a:ext uri="{909E8E84-426E-40DD-AFC4-6F175D3DCCD1}">
-                  <a14:hiddenFill xmlns:a14="http://schemas.microsoft.com/office/drawing/2010/main">
-                    <a:solidFill>
-                      <a:srgbClr val="FFFFFF"/>
-                    </a:solidFill>
-                  </a14:hiddenFill>
-                </a:ext>
-              </a:extLst>
-            </p:spPr>
-          </p:pic>
-          <p:pic>
-            <p:nvPicPr>
-              <p:cNvPr id="2058" name="Picture 10" descr="OBI.jpg"/>
-              <p:cNvPicPr>
-                <a:picLocks noChangeAspect="1" noChangeArrowheads="1"/>
-              </p:cNvPicPr>
-              <p:nvPr/>
-            </p:nvPicPr>
-            <p:blipFill>
-              <a:blip r:embed="rId7">
-                <a:extLst>
-                  <a:ext uri="{28A0092B-C50C-407E-A947-70E740481C1C}">
-                    <a14:useLocalDpi xmlns:a14="http://schemas.microsoft.com/office/drawing/2010/main" val="0"/>
-                  </a:ext>
-                </a:extLst>
-              </a:blip>
-              <a:srcRect/>
-              <a:stretch>
-                <a:fillRect/>
-              </a:stretch>
-            </p:blipFill>
-            <p:spPr bwMode="auto">
-              <a:xfrm>
-                <a:off x="2490423" y="5667375"/>
-                <a:ext cx="2158594" cy="506546"/>
-              </a:xfrm>
-              <a:prstGeom prst="rect">
-                <a:avLst/>
-              </a:prstGeom>
-              <a:noFill/>
-              <a:extLst>
-                <a:ext uri="{909E8E84-426E-40DD-AFC4-6F175D3DCCD1}">
-                  <a14:hiddenFill xmlns:a14="http://schemas.microsoft.com/office/drawing/2010/main">
-                    <a:solidFill>
-                      <a:srgbClr val="FFFFFF"/>
-                    </a:solidFill>
-                  </a14:hiddenFill>
-                </a:ext>
-              </a:extLst>
-            </p:spPr>
-          </p:pic>
-          <p:pic>
-            <p:nvPicPr>
-              <p:cNvPr id="14" name="Picture 14" descr="CIHR's leaf identifier - full-colour"/>
-              <p:cNvPicPr>
-                <a:picLocks noChangeAspect="1" noChangeArrowheads="1"/>
-              </p:cNvPicPr>
-              <p:nvPr/>
-            </p:nvPicPr>
-            <p:blipFill>
-              <a:blip r:embed="rId8">
-                <a:extLst>
-                  <a:ext uri="{28A0092B-C50C-407E-A947-70E740481C1C}">
-                    <a14:useLocalDpi xmlns:a14="http://schemas.microsoft.com/office/drawing/2010/main" val="0"/>
-                  </a:ext>
-                </a:extLst>
-              </a:blip>
-              <a:srcRect/>
-              <a:stretch>
-                <a:fillRect/>
-              </a:stretch>
-            </p:blipFill>
-            <p:spPr bwMode="auto">
-              <a:xfrm>
-                <a:off x="9265802" y="5572463"/>
-                <a:ext cx="1022145" cy="657488"/>
-              </a:xfrm>
-              <a:prstGeom prst="rect">
-                <a:avLst/>
-              </a:prstGeom>
-              <a:noFill/>
-              <a:extLst>
-                <a:ext uri="{909E8E84-426E-40DD-AFC4-6F175D3DCCD1}">
-                  <a14:hiddenFill xmlns:a14="http://schemas.microsoft.com/office/drawing/2010/main">
-                    <a:solidFill>
-                      <a:srgbClr val="FFFFFF"/>
-                    </a:solidFill>
-                  </a14:hiddenFill>
-                </a:ext>
-              </a:extLst>
-            </p:spPr>
-          </p:pic>
-          <p:pic>
-            <p:nvPicPr>
-              <p:cNvPr id="15" name="Picture 18" descr="http://www.nserc-crsng.gc.ca/_img/logos/NSERC_C.jpg"/>
-              <p:cNvPicPr>
-                <a:picLocks noChangeAspect="1" noChangeArrowheads="1"/>
-              </p:cNvPicPr>
-              <p:nvPr/>
-            </p:nvPicPr>
-            <p:blipFill>
-              <a:blip r:embed="rId9">
-                <a:extLst>
-                  <a:ext uri="{28A0092B-C50C-407E-A947-70E740481C1C}">
-                    <a14:useLocalDpi xmlns:a14="http://schemas.microsoft.com/office/drawing/2010/main" val="0"/>
-                  </a:ext>
-                </a:extLst>
-              </a:blip>
-              <a:srcRect/>
-              <a:stretch>
-                <a:fillRect/>
-              </a:stretch>
-            </p:blipFill>
-            <p:spPr bwMode="auto">
-              <a:xfrm>
-                <a:off x="7862076" y="5571890"/>
-                <a:ext cx="1317269" cy="658635"/>
-              </a:xfrm>
-              <a:prstGeom prst="rect">
-                <a:avLst/>
-              </a:prstGeom>
-              <a:noFill/>
-              <a:extLst>
-                <a:ext uri="{909E8E84-426E-40DD-AFC4-6F175D3DCCD1}">
-                  <a14:hiddenFill xmlns:a14="http://schemas.microsoft.com/office/drawing/2010/main">
-                    <a:solidFill>
-                      <a:srgbClr val="FFFFFF"/>
-                    </a:solidFill>
-                  </a14:hiddenFill>
-                </a:ext>
-              </a:extLst>
-            </p:spPr>
-          </p:pic>
-        </p:grpSp>
-      </p:grpSp>
+          </a:blip>
+          <a:srcRect/>
+          <a:stretch>
+            <a:fillRect/>
+          </a:stretch>
+        </p:blipFill>
+        <p:spPr bwMode="auto">
+          <a:xfrm>
+            <a:off x="3093733" y="5534317"/>
+            <a:ext cx="1495498" cy="460905"/>
+          </a:xfrm>
+          <a:prstGeom prst="rect">
+            <a:avLst/>
+          </a:prstGeom>
+          <a:noFill/>
+          <a:extLst>
+            <a:ext uri="{909E8E84-426E-40DD-AFC4-6F175D3DCCD1}">
+              <a14:hiddenFill xmlns:a14="http://schemas.microsoft.com/office/drawing/2010/main">
+                <a:solidFill>
+                  <a:srgbClr val="FFFFFF"/>
+                </a:solidFill>
+              </a14:hiddenFill>
+            </a:ext>
+          </a:extLst>
+        </p:spPr>
+      </p:pic>
+      <p:pic>
+        <p:nvPicPr>
+          <p:cNvPr id="2054" name="Picture 6" descr="Eplink.png"/>
+          <p:cNvPicPr>
+            <a:picLocks noChangeAspect="1" noChangeArrowheads="1"/>
+          </p:cNvPicPr>
+          <p:nvPr/>
+        </p:nvPicPr>
+        <p:blipFill>
+          <a:blip r:embed="rId5">
+            <a:extLst>
+              <a:ext uri="{28A0092B-C50C-407E-A947-70E740481C1C}">
+                <a14:useLocalDpi xmlns:a14="http://schemas.microsoft.com/office/drawing/2010/main" val="0"/>
+              </a:ext>
+            </a:extLst>
+          </a:blip>
+          <a:srcRect/>
+          <a:stretch>
+            <a:fillRect/>
+          </a:stretch>
+        </p:blipFill>
+        <p:spPr bwMode="auto">
+          <a:xfrm>
+            <a:off x="3093733" y="6086331"/>
+            <a:ext cx="787025" cy="556552"/>
+          </a:xfrm>
+          <a:prstGeom prst="rect">
+            <a:avLst/>
+          </a:prstGeom>
+          <a:noFill/>
+          <a:extLst>
+            <a:ext uri="{909E8E84-426E-40DD-AFC4-6F175D3DCCD1}">
+              <a14:hiddenFill xmlns:a14="http://schemas.microsoft.com/office/drawing/2010/main">
+                <a:solidFill>
+                  <a:srgbClr val="FFFFFF"/>
+                </a:solidFill>
+              </a14:hiddenFill>
+            </a:ext>
+          </a:extLst>
+        </p:spPr>
+      </p:pic>
+      <p:pic>
+        <p:nvPicPr>
+          <p:cNvPr id="2056" name="Picture 8" descr="BrainCanada.png"/>
+          <p:cNvPicPr>
+            <a:picLocks noChangeAspect="1" noChangeArrowheads="1"/>
+          </p:cNvPicPr>
+          <p:nvPr/>
+        </p:nvPicPr>
+        <p:blipFill>
+          <a:blip r:embed="rId6">
+            <a:extLst>
+              <a:ext uri="{28A0092B-C50C-407E-A947-70E740481C1C}">
+                <a14:useLocalDpi xmlns:a14="http://schemas.microsoft.com/office/drawing/2010/main" val="0"/>
+              </a:ext>
+            </a:extLst>
+          </a:blip>
+          <a:srcRect/>
+          <a:stretch>
+            <a:fillRect/>
+          </a:stretch>
+        </p:blipFill>
+        <p:spPr bwMode="auto">
+          <a:xfrm>
+            <a:off x="4037521" y="6125718"/>
+            <a:ext cx="1810071" cy="517164"/>
+          </a:xfrm>
+          <a:prstGeom prst="rect">
+            <a:avLst/>
+          </a:prstGeom>
+          <a:noFill/>
+          <a:extLst>
+            <a:ext uri="{909E8E84-426E-40DD-AFC4-6F175D3DCCD1}">
+              <a14:hiddenFill xmlns:a14="http://schemas.microsoft.com/office/drawing/2010/main">
+                <a:solidFill>
+                  <a:srgbClr val="FFFFFF"/>
+                </a:solidFill>
+              </a14:hiddenFill>
+            </a:ext>
+          </a:extLst>
+        </p:spPr>
+      </p:pic>
+      <p:pic>
+        <p:nvPicPr>
+          <p:cNvPr id="2058" name="Picture 10" descr="OBI.jpg"/>
+          <p:cNvPicPr>
+            <a:picLocks noChangeAspect="1" noChangeArrowheads="1"/>
+          </p:cNvPicPr>
+          <p:nvPr/>
+        </p:nvPicPr>
+        <p:blipFill>
+          <a:blip r:embed="rId7">
+            <a:extLst>
+              <a:ext uri="{28A0092B-C50C-407E-A947-70E740481C1C}">
+                <a14:useLocalDpi xmlns:a14="http://schemas.microsoft.com/office/drawing/2010/main" val="0"/>
+              </a:ext>
+            </a:extLst>
+          </a:blip>
+          <a:srcRect/>
+          <a:stretch>
+            <a:fillRect/>
+          </a:stretch>
+        </p:blipFill>
+        <p:spPr bwMode="auto">
+          <a:xfrm>
+            <a:off x="967561" y="6174576"/>
+            <a:ext cx="1995639" cy="468306"/>
+          </a:xfrm>
+          <a:prstGeom prst="rect">
+            <a:avLst/>
+          </a:prstGeom>
+          <a:noFill/>
+          <a:extLst>
+            <a:ext uri="{909E8E84-426E-40DD-AFC4-6F175D3DCCD1}">
+              <a14:hiddenFill xmlns:a14="http://schemas.microsoft.com/office/drawing/2010/main">
+                <a:solidFill>
+                  <a:srgbClr val="FFFFFF"/>
+                </a:solidFill>
+              </a14:hiddenFill>
+            </a:ext>
+          </a:extLst>
+        </p:spPr>
+      </p:pic>
+      <p:pic>
+        <p:nvPicPr>
+          <p:cNvPr id="14" name="Picture 14" descr="CIHR's leaf identifier - full-colour"/>
+          <p:cNvPicPr>
+            <a:picLocks noChangeAspect="1" noChangeArrowheads="1"/>
+          </p:cNvPicPr>
+          <p:nvPr/>
+        </p:nvPicPr>
+        <p:blipFill>
+          <a:blip r:embed="rId8">
+            <a:extLst>
+              <a:ext uri="{28A0092B-C50C-407E-A947-70E740481C1C}">
+                <a14:useLocalDpi xmlns:a14="http://schemas.microsoft.com/office/drawing/2010/main" val="0"/>
+              </a:ext>
+            </a:extLst>
+          </a:blip>
+          <a:srcRect/>
+          <a:stretch>
+            <a:fillRect/>
+          </a:stretch>
+        </p:blipFill>
+        <p:spPr bwMode="auto">
+          <a:xfrm>
+            <a:off x="7231458" y="6086829"/>
+            <a:ext cx="944982" cy="607854"/>
+          </a:xfrm>
+          <a:prstGeom prst="rect">
+            <a:avLst/>
+          </a:prstGeom>
+          <a:noFill/>
+          <a:extLst>
+            <a:ext uri="{909E8E84-426E-40DD-AFC4-6F175D3DCCD1}">
+              <a14:hiddenFill xmlns:a14="http://schemas.microsoft.com/office/drawing/2010/main">
+                <a:solidFill>
+                  <a:srgbClr val="FFFFFF"/>
+                </a:solidFill>
+              </a14:hiddenFill>
+            </a:ext>
+          </a:extLst>
+        </p:spPr>
+      </p:pic>
+      <p:pic>
+        <p:nvPicPr>
+          <p:cNvPr id="15" name="Picture 18" descr="http://www.nserc-crsng.gc.ca/_img/logos/NSERC_C.jpg"/>
+          <p:cNvPicPr>
+            <a:picLocks noChangeAspect="1" noChangeArrowheads="1"/>
+          </p:cNvPicPr>
+          <p:nvPr/>
+        </p:nvPicPr>
+        <p:blipFill>
+          <a:blip r:embed="rId9">
+            <a:extLst>
+              <a:ext uri="{28A0092B-C50C-407E-A947-70E740481C1C}">
+                <a14:useLocalDpi xmlns:a14="http://schemas.microsoft.com/office/drawing/2010/main" val="0"/>
+              </a:ext>
+            </a:extLst>
+          </a:blip>
+          <a:srcRect/>
+          <a:stretch>
+            <a:fillRect/>
+          </a:stretch>
+        </p:blipFill>
+        <p:spPr bwMode="auto">
+          <a:xfrm>
+            <a:off x="5933701" y="6086299"/>
+            <a:ext cx="1217827" cy="608914"/>
+          </a:xfrm>
+          <a:prstGeom prst="rect">
+            <a:avLst/>
+          </a:prstGeom>
+          <a:noFill/>
+          <a:extLst>
+            <a:ext uri="{909E8E84-426E-40DD-AFC4-6F175D3DCCD1}">
+              <a14:hiddenFill xmlns:a14="http://schemas.microsoft.com/office/drawing/2010/main">
+                <a:solidFill>
+                  <a:srgbClr val="FFFFFF"/>
+                </a:solidFill>
+              </a14:hiddenFill>
+            </a:ext>
+          </a:extLst>
+        </p:spPr>
+      </p:pic>
       <p:sp>
         <p:nvSpPr>
           <p:cNvPr id="8" name="Content Placeholder 7"/>
@@ -10667,7 +10457,6 @@
               <a:rPr lang="en-US" sz="3000" dirty="0"/>
               <a:t>Acknowledgements</a:t>
             </a:r>
-            <a:endParaRPr lang="en-US" sz="3000" dirty="0"/>
           </a:p>
         </p:txBody>
       </p:sp>
@@ -10745,13 +10534,6 @@
   <p:clrMapOvr>
     <a:masterClrMapping/>
   </p:clrMapOvr>
-  <p:timing>
-    <p:tnLst>
-      <p:par>
-        <p:cTn id="1" dur="indefinite" restart="never" nodeType="tmRoot"/>
-      </p:par>
-    </p:tnLst>
-  </p:timing>
 </p:sld>
 </file>
 
